--- a/Assignment Pres.pptx
+++ b/Assignment Pres.pptx
@@ -26,7 +26,7 @@
     <p:sldId id="259" r:id="rId17"/>
     <p:sldId id="273" r:id="rId18"/>
     <p:sldId id="274" r:id="rId19"/>
-    <p:sldId id="261" r:id="rId20"/>
+    <p:sldId id="275" r:id="rId20"/>
   </p:sldIdLst>
   <p:sldSz cx="9144000" cy="6858000" type="screen4x3"/>
   <p:notesSz cx="6797675" cy="9926638"/>
@@ -127,7 +127,7 @@
   </p:defaultTextStyle>
   <p:extLst>
     <p:ext uri="{EFAFB233-063F-42B5-8137-9DF3F51BA10A}">
-      <p15:sldGuideLst xmlns:p15="http://schemas.microsoft.com/office/powerpoint/2012/main" xmlns=""/>
+      <p15:sldGuideLst xmlns="" xmlns:p15="http://schemas.microsoft.com/office/powerpoint/2012/main"/>
     </p:ext>
   </p:extLst>
 </p:presentation>
@@ -215,7 +215,7 @@
           <a:p>
             <a:fld id="{74552349-1F70-4120-B2E4-F368E9E7854A}" type="datetimeFigureOut">
               <a:rPr lang="en-GB" smtClean="0"/>
-              <a:t>01/12/2015</a:t>
+              <a:t>02/12/2015</a:t>
             </a:fld>
             <a:endParaRPr lang="en-GB"/>
           </a:p>
@@ -641,19 +641,11 @@
             </a:r>
             <a:r>
               <a:rPr lang="en-GB" dirty="0" smtClean="0"/>
-              <a:t>ireless </a:t>
-            </a:r>
-            <a:r>
-              <a:rPr lang="en-GB" dirty="0" smtClean="0"/>
-              <a:t>printing</a:t>
+              <a:t>ireless printing</a:t>
             </a:r>
             <a:r>
               <a:rPr lang="en-GB" baseline="0" dirty="0" smtClean="0"/>
-              <a:t> </a:t>
-            </a:r>
-            <a:r>
-              <a:rPr lang="en-GB" baseline="0" dirty="0" smtClean="0"/>
-              <a:t>support, allowing the user to print any documents or pages straight from their phone using an application.</a:t>
+              <a:t> support, allowing the user to print any documents or pages straight from their phone using an application.</a:t>
             </a:r>
           </a:p>
           <a:p>
@@ -787,15 +779,7 @@
           <a:p>
             <a:r>
               <a:rPr lang="en-GB" baseline="0" dirty="0" smtClean="0"/>
-              <a:t>An upgrade from the original 32 bit CPU, a 64 </a:t>
-            </a:r>
-            <a:r>
-              <a:rPr lang="en-GB" baseline="0" dirty="0" smtClean="0"/>
-              <a:t>bit CPU </a:t>
-            </a:r>
-            <a:r>
-              <a:rPr lang="en-GB" baseline="0" dirty="0" smtClean="0"/>
-              <a:t>began getting supported on lollipop devices, this would allow for more RAM (Random Access Memory) to be used on the phones, allowing them to be considerably faster and run more demanding applications.</a:t>
+              <a:t>An upgrade from the original 32 bit CPU, a 64 bit CPU began getting supported on lollipop devices, this would allow for more RAM (Random Access Memory) to be used on the phones, allowing them to be considerably faster and run more demanding applications.</a:t>
             </a:r>
           </a:p>
           <a:p>
@@ -900,19 +884,11 @@
             </a:r>
             <a:r>
               <a:rPr lang="en-GB" dirty="0" smtClean="0"/>
-              <a:t>4k </a:t>
-            </a:r>
-            <a:r>
-              <a:rPr lang="en-GB" dirty="0" smtClean="0"/>
-              <a:t>display</a:t>
+              <a:t>4k display</a:t>
             </a:r>
             <a:r>
               <a:rPr lang="en-GB" baseline="0" dirty="0" smtClean="0"/>
-              <a:t> for </a:t>
-            </a:r>
-            <a:r>
-              <a:rPr lang="en-GB" baseline="0" dirty="0" smtClean="0"/>
-              <a:t>apps. Some mobile devices come standard with a 4k camera as well to be able to view high quality video.</a:t>
+              <a:t> for apps. Some mobile devices come standard with a 4k camera as well to be able to view high quality video.</a:t>
             </a:r>
           </a:p>
           <a:p>
@@ -1071,19 +1047,7 @@
                 <a:ea typeface="+mn-ea"/>
                 <a:cs typeface="+mn-cs"/>
               </a:rPr>
-              <a:t>NFC </a:t>
-            </a:r>
-            <a:r>
-              <a:rPr lang="en-US" sz="1200" b="0" i="0" kern="1200" dirty="0" smtClean="0">
-                <a:solidFill>
-                  <a:schemeClr val="tx1"/>
-                </a:solidFill>
-                <a:effectLst/>
-                <a:latin typeface="+mn-lt"/>
-                <a:ea typeface="+mn-ea"/>
-                <a:cs typeface="+mn-cs"/>
-              </a:rPr>
-              <a:t>to transfer data between android devices</a:t>
+              <a:t>NFC to transfer data between android devices</a:t>
             </a:r>
             <a:br>
               <a:rPr lang="en-US" sz="1200" b="0" i="0" kern="1200" dirty="0" smtClean="0">
@@ -1380,19 +1344,7 @@
                 <a:ea typeface="+mn-ea"/>
                 <a:cs typeface="+mn-cs"/>
               </a:rPr>
-              <a:t>Apple </a:t>
-            </a:r>
-            <a:r>
-              <a:rPr lang="en-US" sz="1200" b="0" i="0" kern="1200" dirty="0" smtClean="0">
-                <a:solidFill>
-                  <a:schemeClr val="tx1"/>
-                </a:solidFill>
-                <a:effectLst/>
-                <a:latin typeface="+mn-lt"/>
-                <a:ea typeface="+mn-ea"/>
-                <a:cs typeface="+mn-cs"/>
-              </a:rPr>
-              <a:t>Pay for easy pay</a:t>
+              <a:t>Apple Pay for easy pay</a:t>
             </a:r>
             <a:br>
               <a:rPr lang="en-US" sz="1200" b="0" i="0" kern="1200" dirty="0" smtClean="0">
@@ -1555,7 +1507,7 @@
               <a:t>iSecurity</a:t>
             </a:r>
             <a:r>
-              <a:rPr lang="en-US" sz="1200" b="0" i="0" kern="1200" dirty="0" smtClean="0">
+              <a:rPr lang="en-US" sz="1200" b="0" i="0" kern="1200" baseline="0" dirty="0" smtClean="0">
                 <a:solidFill>
                   <a:schemeClr val="tx1"/>
                 </a:solidFill>
@@ -1564,10 +1516,8 @@
                 <a:ea typeface="+mn-ea"/>
                 <a:cs typeface="+mn-cs"/>
               </a:rPr>
-              <a:t> for security of password and stuff</a:t>
-            </a:r>
-          </a:p>
-          <a:p>
+              <a:t> is a new app introduced to help keep regular used passwords secure</a:t>
+            </a:r>
             <a:endParaRPr lang="en-GB" dirty="0"/>
           </a:p>
         </p:txBody>
@@ -1662,19 +1612,7 @@
                 <a:ea typeface="+mn-ea"/>
                 <a:cs typeface="+mn-cs"/>
               </a:rPr>
-              <a:t>Oculus </a:t>
-            </a:r>
-            <a:r>
-              <a:rPr lang="en-US" sz="1200" b="0" i="0" kern="1200" smtClean="0">
-                <a:solidFill>
-                  <a:schemeClr val="tx1"/>
-                </a:solidFill>
-                <a:effectLst/>
-                <a:latin typeface="+mn-lt"/>
-                <a:ea typeface="+mn-ea"/>
-                <a:cs typeface="+mn-cs"/>
-              </a:rPr>
-              <a:t>Rift</a:t>
+              <a:t>Oculus Rift</a:t>
             </a:r>
           </a:p>
           <a:p>
@@ -1711,8 +1649,21 @@
                 <a:ea typeface="+mn-ea"/>
                 <a:cs typeface="+mn-cs"/>
               </a:rPr>
-              <a:t> </a:t>
-            </a:r>
+              <a:t> Lens</a:t>
+            </a:r>
+          </a:p>
+          <a:p>
+            <a:endParaRPr lang="en-US" sz="1200" b="0" i="0" kern="1200" dirty="0" smtClean="0">
+              <a:solidFill>
+                <a:schemeClr val="tx1"/>
+              </a:solidFill>
+              <a:effectLst/>
+              <a:latin typeface="+mn-lt"/>
+              <a:ea typeface="+mn-ea"/>
+              <a:cs typeface="+mn-cs"/>
+            </a:endParaRPr>
+          </a:p>
+          <a:p>
             <a:r>
               <a:rPr lang="en-US" sz="1200" b="0" i="0" kern="1200" dirty="0" smtClean="0">
                 <a:solidFill>
@@ -1723,44 +1674,7 @@
                 <a:ea typeface="+mn-ea"/>
                 <a:cs typeface="+mn-cs"/>
               </a:rPr>
-              <a:t>Lens</a:t>
-            </a:r>
-          </a:p>
-          <a:p>
-            <a:endParaRPr lang="en-US" sz="1200" b="0" i="0" kern="1200" dirty="0" smtClean="0">
-              <a:solidFill>
-                <a:schemeClr val="tx1"/>
-              </a:solidFill>
-              <a:effectLst/>
-              <a:latin typeface="+mn-lt"/>
-              <a:ea typeface="+mn-ea"/>
-              <a:cs typeface="+mn-cs"/>
-            </a:endParaRPr>
-          </a:p>
-          <a:p>
-            <a:r>
-              <a:rPr lang="en-US" sz="1200" b="0" i="0" kern="1200" dirty="0" smtClean="0">
-                <a:solidFill>
-                  <a:schemeClr val="tx1"/>
-                </a:solidFill>
-                <a:effectLst/>
-                <a:latin typeface="+mn-lt"/>
-                <a:ea typeface="+mn-ea"/>
-                <a:cs typeface="+mn-cs"/>
-              </a:rPr>
-              <a:t>Flexible </a:t>
-            </a:r>
-            <a:r>
-              <a:rPr lang="en-US" sz="1200" b="0" i="0" kern="1200" dirty="0" smtClean="0">
-                <a:solidFill>
-                  <a:schemeClr val="tx1"/>
-                </a:solidFill>
-                <a:effectLst/>
-                <a:latin typeface="+mn-lt"/>
-                <a:ea typeface="+mn-ea"/>
-                <a:cs typeface="+mn-cs"/>
-              </a:rPr>
-              <a:t>Screens</a:t>
+              <a:t>Flexible Screens</a:t>
             </a:r>
           </a:p>
           <a:p>
@@ -2062,7 +1976,69 @@
                 <a:ea typeface="+mn-ea"/>
                 <a:cs typeface="+mn-cs"/>
               </a:rPr>
-              <a:t>Mind Control (Using smartphone with mind)</a:t>
+              <a:t>Mind Control (Using smartphone with </a:t>
+            </a:r>
+            <a:r>
+              <a:rPr lang="en-US" sz="1200" b="0" i="0" kern="1200" dirty="0" smtClean="0">
+                <a:solidFill>
+                  <a:schemeClr val="tx1"/>
+                </a:solidFill>
+                <a:effectLst/>
+                <a:latin typeface="+mn-lt"/>
+                <a:ea typeface="+mn-ea"/>
+                <a:cs typeface="+mn-cs"/>
+              </a:rPr>
+              <a:t>mind)</a:t>
+            </a:r>
+          </a:p>
+          <a:p>
+            <a:endParaRPr lang="en-US" sz="1200" b="0" i="0" kern="1200" dirty="0" smtClean="0">
+              <a:solidFill>
+                <a:schemeClr val="tx1"/>
+              </a:solidFill>
+              <a:effectLst/>
+              <a:latin typeface="+mn-lt"/>
+              <a:ea typeface="+mn-ea"/>
+              <a:cs typeface="+mn-cs"/>
+            </a:endParaRPr>
+          </a:p>
+          <a:p>
+            <a:r>
+              <a:rPr lang="en-US" sz="1200" b="0" i="0" kern="1200" dirty="0" smtClean="0">
+                <a:solidFill>
+                  <a:schemeClr val="tx1"/>
+                </a:solidFill>
+                <a:effectLst/>
+                <a:latin typeface="+mn-lt"/>
+                <a:ea typeface="+mn-ea"/>
+                <a:cs typeface="+mn-cs"/>
+              </a:rPr>
+              <a:t>Researchers at Samsung's Technology Lab are working an  academic at the University of Texas to test how people can use their thoughts to launch an app, select a contact to call, choose a song on a playlist, and switch a device on or off</a:t>
+            </a:r>
+          </a:p>
+          <a:p>
+            <a:endParaRPr lang="en-US" sz="1200" b="0" i="0" kern="1200" dirty="0" smtClean="0">
+              <a:solidFill>
+                <a:schemeClr val="tx1"/>
+              </a:solidFill>
+              <a:effectLst/>
+              <a:latin typeface="+mn-lt"/>
+              <a:ea typeface="+mn-ea"/>
+              <a:cs typeface="+mn-cs"/>
+            </a:endParaRPr>
+          </a:p>
+          <a:p>
+            <a:r>
+              <a:rPr lang="en-GB" dirty="0" smtClean="0"/>
+              <a:t>Link:</a:t>
+            </a:r>
+            <a:r>
+              <a:rPr lang="en-GB" baseline="0" dirty="0" smtClean="0"/>
+              <a:t> </a:t>
+            </a:r>
+            <a:r>
+              <a:rPr lang="en-GB" dirty="0" smtClean="0"/>
+              <a:t>http://www.independent.co.uk/life-style/gadgets-and-tech/news/introducing-the-mind-control-mobile-samsung-says-it-is-testing-smartphone-controlled-by-brain-waves-8588517.html </a:t>
             </a:r>
             <a:endParaRPr lang="en-GB" dirty="0"/>
           </a:p>
@@ -2095,90 +2071,6 @@
     <p:extLst>
       <p:ext uri="{BB962C8B-B14F-4D97-AF65-F5344CB8AC3E}">
         <p14:creationId xmlns:p14="http://schemas.microsoft.com/office/powerpoint/2010/main" val="3604083168"/>
-      </p:ext>
-    </p:extLst>
-  </p:cSld>
-  <p:clrMapOvr>
-    <a:masterClrMapping/>
-  </p:clrMapOvr>
-</p:notes>
-</file>
-
-<file path=ppt/notesSlides/notesSlide18.xml><?xml version="1.0" encoding="utf-8"?>
-<p:notes xmlns:a="http://schemas.openxmlformats.org/drawingml/2006/main" xmlns:r="http://schemas.openxmlformats.org/officeDocument/2006/relationships" xmlns:p="http://schemas.openxmlformats.org/presentationml/2006/main">
-  <p:cSld>
-    <p:spTree>
-      <p:nvGrpSpPr>
-        <p:cNvPr id="1" name=""/>
-        <p:cNvGrpSpPr/>
-        <p:nvPr/>
-      </p:nvGrpSpPr>
-      <p:grpSpPr>
-        <a:xfrm>
-          <a:off x="0" y="0"/>
-          <a:ext cx="0" cy="0"/>
-          <a:chOff x="0" y="0"/>
-          <a:chExt cx="0" cy="0"/>
-        </a:xfrm>
-      </p:grpSpPr>
-      <p:sp>
-        <p:nvSpPr>
-          <p:cNvPr id="2" name="Slide Image Placeholder 1"/>
-          <p:cNvSpPr>
-            <a:spLocks noGrp="1" noRot="1" noChangeAspect="1"/>
-          </p:cNvSpPr>
-          <p:nvPr>
-            <p:ph type="sldImg"/>
-          </p:nvPr>
-        </p:nvSpPr>
-        <p:spPr/>
-      </p:sp>
-      <p:sp>
-        <p:nvSpPr>
-          <p:cNvPr id="3" name="Notes Placeholder 2"/>
-          <p:cNvSpPr>
-            <a:spLocks noGrp="1"/>
-          </p:cNvSpPr>
-          <p:nvPr>
-            <p:ph type="body" idx="1"/>
-          </p:nvPr>
-        </p:nvSpPr>
-        <p:spPr/>
-        <p:txBody>
-          <a:bodyPr/>
-          <a:lstStyle/>
-          <a:p>
-            <a:endParaRPr lang="en-GB" dirty="0"/>
-          </a:p>
-        </p:txBody>
-      </p:sp>
-      <p:sp>
-        <p:nvSpPr>
-          <p:cNvPr id="4" name="Slide Number Placeholder 3"/>
-          <p:cNvSpPr>
-            <a:spLocks noGrp="1"/>
-          </p:cNvSpPr>
-          <p:nvPr>
-            <p:ph type="sldNum" sz="quarter" idx="10"/>
-          </p:nvPr>
-        </p:nvSpPr>
-        <p:spPr/>
-        <p:txBody>
-          <a:bodyPr/>
-          <a:lstStyle/>
-          <a:p>
-            <a:fld id="{0E6A970D-68C7-4E47-BDFE-A65667628840}" type="slidenum">
-              <a:rPr lang="en-GB" smtClean="0"/>
-              <a:t>19</a:t>
-            </a:fld>
-            <a:endParaRPr lang="en-GB"/>
-          </a:p>
-        </p:txBody>
-      </p:sp>
-    </p:spTree>
-    <p:extLst>
-      <p:ext uri="{BB962C8B-B14F-4D97-AF65-F5344CB8AC3E}">
-        <p14:creationId xmlns:p14="http://schemas.microsoft.com/office/powerpoint/2010/main" val="389809067"/>
       </p:ext>
     </p:extLst>
   </p:cSld>
@@ -2260,11 +2152,7 @@
             <a:pPr algn="l"/>
             <a:r>
               <a:rPr lang="en-GB" baseline="0" dirty="0" smtClean="0"/>
-              <a:t>Other features included video capture as well as playback on the </a:t>
-            </a:r>
-            <a:r>
-              <a:rPr lang="en-GB" baseline="0" dirty="0" smtClean="0"/>
-              <a:t>screen</a:t>
+              <a:t>Other features included video capture as well as playback on the screen</a:t>
             </a:r>
           </a:p>
           <a:p>
@@ -2404,19 +2292,7 @@
                 <a:ea typeface="+mn-ea"/>
                 <a:cs typeface="+mn-cs"/>
               </a:rPr>
-              <a:t> </a:t>
-            </a:r>
-            <a:r>
-              <a:rPr lang="en-GB" sz="1200" b="0" i="0" kern="1200" dirty="0" smtClean="0">
-                <a:solidFill>
-                  <a:schemeClr val="tx1"/>
-                </a:solidFill>
-                <a:effectLst/>
-                <a:latin typeface="+mn-lt"/>
-                <a:ea typeface="+mn-ea"/>
-                <a:cs typeface="+mn-cs"/>
-              </a:rPr>
-              <a:t>engine allowing</a:t>
+              <a:t> engine allowing</a:t>
             </a:r>
             <a:r>
               <a:rPr lang="en-GB" sz="1200" b="0" i="0" kern="1200" baseline="0" dirty="0" smtClean="0">
@@ -2560,19 +2436,11 @@
             </a:r>
             <a:r>
               <a:rPr lang="en-GB" dirty="0" smtClean="0"/>
-              <a:t>dded </a:t>
-            </a:r>
-            <a:r>
-              <a:rPr lang="en-GB" dirty="0" smtClean="0"/>
-              <a:t>live</a:t>
+              <a:t>dded live</a:t>
             </a:r>
             <a:r>
               <a:rPr lang="en-GB" baseline="0" dirty="0" smtClean="0"/>
-              <a:t> </a:t>
-            </a:r>
-            <a:r>
-              <a:rPr lang="en-GB" baseline="0" dirty="0" smtClean="0"/>
-              <a:t>wallpapers. This basically allowed the user to set video like backgrounds on their phone.</a:t>
+              <a:t> wallpapers. This basically allowed the user to set video like backgrounds on their phone.</a:t>
             </a:r>
           </a:p>
           <a:p>
@@ -2738,31 +2606,7 @@
                 <a:ea typeface="+mn-ea"/>
                 <a:cs typeface="+mn-cs"/>
               </a:rPr>
-              <a:t>ncluded </a:t>
-            </a:r>
-            <a:r>
-              <a:rPr lang="en-US" sz="1200" b="0" i="0" kern="1200" dirty="0" smtClean="0">
-                <a:solidFill>
-                  <a:schemeClr val="tx1"/>
-                </a:solidFill>
-                <a:effectLst/>
-                <a:latin typeface="+mn-lt"/>
-                <a:ea typeface="+mn-ea"/>
-                <a:cs typeface="+mn-cs"/>
-              </a:rPr>
-              <a:t>the option to disable data access over mobile </a:t>
-            </a:r>
-            <a:r>
-              <a:rPr lang="en-US" sz="1200" b="0" i="0" kern="1200" dirty="0" smtClean="0">
-                <a:solidFill>
-                  <a:schemeClr val="tx1"/>
-                </a:solidFill>
-                <a:effectLst/>
-                <a:latin typeface="+mn-lt"/>
-                <a:ea typeface="+mn-ea"/>
-                <a:cs typeface="+mn-cs"/>
-              </a:rPr>
-              <a:t>network, this meant</a:t>
+              <a:t>ncluded the option to disable data access over mobile network, this meant</a:t>
             </a:r>
             <a:r>
               <a:rPr lang="en-US" sz="1200" b="0" i="0" kern="1200" baseline="0" dirty="0" smtClean="0">
@@ -2943,31 +2787,17 @@
               <a:rPr lang="en-GB" baseline="0" dirty="0" smtClean="0"/>
               <a:t>SIP VoIP was added which gives the phone similar capabilities to Skype.</a:t>
             </a:r>
-            <a:endParaRPr lang="en-GB" baseline="0" dirty="0" smtClean="0"/>
           </a:p>
           <a:p>
             <a:r>
               <a:rPr lang="en-GB" baseline="0" dirty="0" smtClean="0"/>
-              <a:t>NFC was introduced </a:t>
-            </a:r>
+              <a:t>NFC was introduced for easier transfer between android devices, a chip is placed in the back of the phone which can communicate with other NFC chips, working similarly to Bluetooth</a:t>
+            </a:r>
+          </a:p>
+          <a:p>
             <a:r>
               <a:rPr lang="en-GB" baseline="0" dirty="0" smtClean="0"/>
-              <a:t>for easier transfer between android </a:t>
-            </a:r>
-            <a:r>
-              <a:rPr lang="en-GB" baseline="0" dirty="0" smtClean="0"/>
-              <a:t>devices, a chip is placed in the back of the phone which can communicate with other NFC chips, working similarly to Bluetooth</a:t>
-            </a:r>
-            <a:endParaRPr lang="en-GB" baseline="0" dirty="0" smtClean="0"/>
-          </a:p>
-          <a:p>
-            <a:r>
-              <a:rPr lang="en-GB" baseline="0" dirty="0" smtClean="0"/>
-              <a:t>Ability to put apps on an SD </a:t>
-            </a:r>
-            <a:r>
-              <a:rPr lang="en-GB" baseline="0" dirty="0" smtClean="0"/>
-              <a:t>cards, saving a lot of space on the phone memory.</a:t>
+              <a:t>Ability to put apps on an SD cards, saving a lot of space on the phone memory.</a:t>
             </a:r>
           </a:p>
           <a:p>
@@ -3217,11 +3047,7 @@
             </a:r>
             <a:r>
               <a:rPr lang="en-GB" dirty="0" smtClean="0"/>
-              <a:t>1080p </a:t>
-            </a:r>
-            <a:r>
-              <a:rPr lang="en-GB" dirty="0" smtClean="0"/>
-              <a:t>recording standard on devices</a:t>
+              <a:t>1080p recording standard on devices</a:t>
             </a:r>
           </a:p>
           <a:p>
@@ -3235,19 +3061,11 @@
             </a:r>
             <a:r>
               <a:rPr lang="en-GB" dirty="0" smtClean="0"/>
-              <a:t>he </a:t>
-            </a:r>
-            <a:r>
-              <a:rPr lang="en-GB" dirty="0" smtClean="0"/>
-              <a:t>ability to unlock your</a:t>
+              <a:t>he ability to unlock your</a:t>
             </a:r>
             <a:r>
               <a:rPr lang="en-GB" baseline="0" dirty="0" smtClean="0"/>
-              <a:t> phone with </a:t>
-            </a:r>
-            <a:r>
-              <a:rPr lang="en-GB" baseline="0" dirty="0" smtClean="0"/>
-              <a:t>your face, helping security on mobile devices.</a:t>
+              <a:t> phone with your face, helping security on mobile devices.</a:t>
             </a:r>
             <a:endParaRPr lang="en-GB" dirty="0" smtClean="0"/>
           </a:p>
@@ -3372,15 +3190,7 @@
             </a:r>
             <a:r>
               <a:rPr lang="en-GB" dirty="0" smtClean="0"/>
-              <a:t>ne </a:t>
-            </a:r>
-            <a:r>
-              <a:rPr lang="en-GB" dirty="0" smtClean="0"/>
-              <a:t>finger </a:t>
-            </a:r>
-            <a:r>
-              <a:rPr lang="en-GB" dirty="0" smtClean="0"/>
-              <a:t>gestures.</a:t>
+              <a:t>ne finger gestures.</a:t>
             </a:r>
             <a:r>
               <a:rPr lang="en-GB" baseline="0" dirty="0" smtClean="0"/>
@@ -3633,7 +3443,7 @@
           <a:p>
             <a:fld id="{DDA51639-B2D6-4652-B8C3-1B4C224A7BAF}" type="datetimeFigureOut">
               <a:rPr lang="en-US" smtClean="0"/>
-              <a:t>12/1/2015</a:t>
+              <a:t>12/2/2015</a:t>
             </a:fld>
             <a:endParaRPr lang="en-US" dirty="0"/>
           </a:p>
@@ -3799,7 +3609,7 @@
           <a:p>
             <a:fld id="{D11A6AA8-A04B-4104-9AE2-BD48D340E27F}" type="datetimeFigureOut">
               <a:rPr lang="en-US" smtClean="0"/>
-              <a:t>12/1/2015</a:t>
+              <a:t>12/2/2015</a:t>
             </a:fld>
             <a:endParaRPr lang="en-US" dirty="0"/>
           </a:p>
@@ -3974,7 +3784,7 @@
           <a:p>
             <a:fld id="{B4E0BF79-FAC6-4A96-8DE1-F7B82E2E1652}" type="datetimeFigureOut">
               <a:rPr lang="en-US" smtClean="0"/>
-              <a:t>12/1/2015</a:t>
+              <a:t>12/2/2015</a:t>
             </a:fld>
             <a:endParaRPr lang="en-US" dirty="0"/>
           </a:p>
@@ -4139,7 +3949,7 @@
           <a:p>
             <a:fld id="{82FF5DD9-2C52-442D-92E2-8072C0C3D7CD}" type="datetimeFigureOut">
               <a:rPr lang="en-US" smtClean="0"/>
-              <a:t>12/1/2015</a:t>
+              <a:t>12/2/2015</a:t>
             </a:fld>
             <a:endParaRPr lang="en-US" dirty="0"/>
           </a:p>
@@ -4382,7 +4192,7 @@
           <a:p>
             <a:fld id="{C44961B7-6B89-48AB-966F-622E2788EECC}" type="datetimeFigureOut">
               <a:rPr lang="en-US" smtClean="0"/>
-              <a:t>12/1/2015</a:t>
+              <a:t>12/2/2015</a:t>
             </a:fld>
             <a:endParaRPr lang="en-US" dirty="0"/>
           </a:p>
@@ -4646,7 +4456,7 @@
           <a:p>
             <a:fld id="{DBD3D6FB-79CC-4683-A046-BBE785BA1BED}" type="datetimeFigureOut">
               <a:rPr lang="en-US" smtClean="0"/>
-              <a:t>12/1/2015</a:t>
+              <a:t>12/2/2015</a:t>
             </a:fld>
             <a:endParaRPr lang="en-US" dirty="0"/>
           </a:p>
@@ -5024,7 +4834,7 @@
           <a:p>
             <a:fld id="{9512B3E8-48F1-4B23-8498-D8A04A81EC9C}" type="datetimeFigureOut">
               <a:rPr lang="en-US" smtClean="0"/>
-              <a:t>12/1/2015</a:t>
+              <a:t>12/2/2015</a:t>
             </a:fld>
             <a:endParaRPr lang="en-US" dirty="0"/>
           </a:p>
@@ -5174,7 +4984,7 @@
           <a:p>
             <a:fld id="{10B90D90-AA62-404D-A741-635B4370F9CB}" type="datetimeFigureOut">
               <a:rPr lang="en-US" smtClean="0"/>
-              <a:t>12/1/2015</a:t>
+              <a:t>12/2/2015</a:t>
             </a:fld>
             <a:endParaRPr lang="en-US" dirty="0"/>
           </a:p>
@@ -5264,7 +5074,7 @@
           <a:p>
             <a:fld id="{A57002E4-6836-46D1-9DBB-3C27C0DD3A89}" type="datetimeFigureOut">
               <a:rPr lang="en-US" smtClean="0"/>
-              <a:t>12/1/2015</a:t>
+              <a:t>12/2/2015</a:t>
             </a:fld>
             <a:endParaRPr lang="en-US" dirty="0"/>
           </a:p>
@@ -5525,7 +5335,7 @@
           <a:p>
             <a:fld id="{1CF131DD-A141-4471-BCF9-C6073EDD7E20}" type="datetimeFigureOut">
               <a:rPr lang="en-US" smtClean="0"/>
-              <a:t>12/1/2015</a:t>
+              <a:t>12/2/2015</a:t>
             </a:fld>
             <a:endParaRPr lang="en-US" dirty="0"/>
           </a:p>
@@ -5814,7 +5624,7 @@
           <a:p>
             <a:fld id="{AB334A90-EB03-42F3-8859-2C2B2724C058}" type="datetimeFigureOut">
               <a:rPr lang="en-US" smtClean="0"/>
-              <a:t>12/1/2015</a:t>
+              <a:t>12/2/2015</a:t>
             </a:fld>
             <a:endParaRPr lang="en-US" dirty="0"/>
           </a:p>
@@ -6586,7 +6396,7 @@
           <a:p>
             <a:fld id="{CBC48EC7-AF6A-48D3-8284-14BACBEBDD84}" type="datetimeFigureOut">
               <a:rPr lang="en-US" smtClean="0"/>
-              <a:t>12/1/2015</a:t>
+              <a:t>12/2/2015</a:t>
             </a:fld>
             <a:endParaRPr lang="en-US" dirty="0"/>
           </a:p>
@@ -7589,11 +7399,7 @@
             <a:pPr defTabSz="914400"/>
             <a:r>
               <a:rPr lang="en-GB" sz="4400" dirty="0" smtClean="0"/>
-              <a:t>Android 4.4 </a:t>
-            </a:r>
-            <a:r>
-              <a:rPr lang="en-GB" sz="4400" dirty="0" smtClean="0"/>
-              <a:t>(</a:t>
+              <a:t>Android 4.4 (</a:t>
             </a:r>
             <a:r>
               <a:rPr lang="en-GB" sz="4400" dirty="0" err="1" smtClean="0"/>
@@ -8435,6 +8241,211 @@
           </a:extLst>
         </p:spPr>
       </p:pic>
+      <p:pic>
+        <p:nvPicPr>
+          <p:cNvPr id="1026" name="Picture 2" descr="http://cdn.mos.techradar.com/art/mobile_phones/bluetooth/nfc-1200-80.jpg"/>
+          <p:cNvPicPr>
+            <a:picLocks noChangeAspect="1" noChangeArrowheads="1"/>
+          </p:cNvPicPr>
+          <p:nvPr/>
+        </p:nvPicPr>
+        <p:blipFill>
+          <a:blip r:embed="rId4">
+            <a:extLst>
+              <a:ext uri="{28A0092B-C50C-407E-A947-70E740481C1C}">
+                <a14:useLocalDpi xmlns:a14="http://schemas.microsoft.com/office/drawing/2010/main" val="0"/>
+              </a:ext>
+            </a:extLst>
+          </a:blip>
+          <a:srcRect/>
+          <a:stretch>
+            <a:fillRect/>
+          </a:stretch>
+        </p:blipFill>
+        <p:spPr bwMode="auto">
+          <a:xfrm rot="20303623">
+            <a:off x="3460077" y="2459230"/>
+            <a:ext cx="5052773" cy="2842185"/>
+          </a:xfrm>
+          <a:prstGeom prst="rect">
+            <a:avLst/>
+          </a:prstGeom>
+          <a:noFill/>
+          <a:extLst>
+            <a:ext uri="{909E8E84-426E-40DD-AFC4-6F175D3DCCD1}">
+              <a14:hiddenFill xmlns:a14="http://schemas.microsoft.com/office/drawing/2010/main">
+                <a:solidFill>
+                  <a:srgbClr val="FFFFFF"/>
+                </a:solidFill>
+              </a14:hiddenFill>
+            </a:ext>
+          </a:extLst>
+        </p:spPr>
+      </p:pic>
+      <p:pic>
+        <p:nvPicPr>
+          <p:cNvPr id="1028" name="Picture 4" descr="http://www.androidcentral.com/sites/androidcentral.com/files/styles/w680h550/public/postimages/9274/infrared.jpg"/>
+          <p:cNvPicPr>
+            <a:picLocks noChangeAspect="1" noChangeArrowheads="1"/>
+          </p:cNvPicPr>
+          <p:nvPr/>
+        </p:nvPicPr>
+        <p:blipFill>
+          <a:blip r:embed="rId5">
+            <a:extLst>
+              <a:ext uri="{28A0092B-C50C-407E-A947-70E740481C1C}">
+                <a14:useLocalDpi xmlns:a14="http://schemas.microsoft.com/office/drawing/2010/main" val="0"/>
+              </a:ext>
+            </a:extLst>
+          </a:blip>
+          <a:srcRect/>
+          <a:stretch>
+            <a:fillRect/>
+          </a:stretch>
+        </p:blipFill>
+        <p:spPr bwMode="auto">
+          <a:xfrm rot="412463">
+            <a:off x="2138850" y="2845524"/>
+            <a:ext cx="5284641" cy="2976497"/>
+          </a:xfrm>
+          <a:prstGeom prst="rect">
+            <a:avLst/>
+          </a:prstGeom>
+          <a:noFill/>
+          <a:extLst>
+            <a:ext uri="{909E8E84-426E-40DD-AFC4-6F175D3DCCD1}">
+              <a14:hiddenFill xmlns:a14="http://schemas.microsoft.com/office/drawing/2010/main">
+                <a:solidFill>
+                  <a:srgbClr val="FFFFFF"/>
+                </a:solidFill>
+              </a14:hiddenFill>
+            </a:ext>
+          </a:extLst>
+        </p:spPr>
+      </p:pic>
+      <p:pic>
+        <p:nvPicPr>
+          <p:cNvPr id="1030" name="Picture 6" descr="http://i-cdn.phonearena.com/images/article/55193-image/Samsung-Galaxy-S5-fingerprint-scanner-hacked-PayPal-reaffirms-confidence-in-biometrics.jpg"/>
+          <p:cNvPicPr>
+            <a:picLocks noChangeAspect="1" noChangeArrowheads="1"/>
+          </p:cNvPicPr>
+          <p:nvPr/>
+        </p:nvPicPr>
+        <p:blipFill>
+          <a:blip r:embed="rId6">
+            <a:extLst>
+              <a:ext uri="{28A0092B-C50C-407E-A947-70E740481C1C}">
+                <a14:useLocalDpi xmlns:a14="http://schemas.microsoft.com/office/drawing/2010/main" val="0"/>
+              </a:ext>
+            </a:extLst>
+          </a:blip>
+          <a:srcRect/>
+          <a:stretch>
+            <a:fillRect/>
+          </a:stretch>
+        </p:blipFill>
+        <p:spPr bwMode="auto">
+          <a:xfrm rot="977193">
+            <a:off x="2956393" y="2457876"/>
+            <a:ext cx="3168352" cy="3168352"/>
+          </a:xfrm>
+          <a:prstGeom prst="rect">
+            <a:avLst/>
+          </a:prstGeom>
+          <a:noFill/>
+          <a:extLst>
+            <a:ext uri="{909E8E84-426E-40DD-AFC4-6F175D3DCCD1}">
+              <a14:hiddenFill xmlns:a14="http://schemas.microsoft.com/office/drawing/2010/main">
+                <a:solidFill>
+                  <a:srgbClr val="FFFFFF"/>
+                </a:solidFill>
+              </a14:hiddenFill>
+            </a:ext>
+          </a:extLst>
+        </p:spPr>
+      </p:pic>
+      <p:pic>
+        <p:nvPicPr>
+          <p:cNvPr id="1032" name="Picture 8" descr="http://cdn.mos.techradar.com/art/mobile_phones/Android/Android_OK_Google_Via_Droid_Life-970-80.jpg"/>
+          <p:cNvPicPr>
+            <a:picLocks noChangeAspect="1" noChangeArrowheads="1"/>
+          </p:cNvPicPr>
+          <p:nvPr/>
+        </p:nvPicPr>
+        <p:blipFill>
+          <a:blip r:embed="rId7">
+            <a:extLst>
+              <a:ext uri="{28A0092B-C50C-407E-A947-70E740481C1C}">
+                <a14:useLocalDpi xmlns:a14="http://schemas.microsoft.com/office/drawing/2010/main" val="0"/>
+              </a:ext>
+            </a:extLst>
+          </a:blip>
+          <a:srcRect/>
+          <a:stretch>
+            <a:fillRect/>
+          </a:stretch>
+        </p:blipFill>
+        <p:spPr bwMode="auto">
+          <a:xfrm rot="21115926">
+            <a:off x="888763" y="2208684"/>
+            <a:ext cx="5943600" cy="3343275"/>
+          </a:xfrm>
+          <a:prstGeom prst="rect">
+            <a:avLst/>
+          </a:prstGeom>
+          <a:noFill/>
+          <a:extLst>
+            <a:ext uri="{909E8E84-426E-40DD-AFC4-6F175D3DCCD1}">
+              <a14:hiddenFill xmlns:a14="http://schemas.microsoft.com/office/drawing/2010/main">
+                <a:solidFill>
+                  <a:srgbClr val="FFFFFF"/>
+                </a:solidFill>
+              </a14:hiddenFill>
+            </a:ext>
+          </a:extLst>
+        </p:spPr>
+      </p:pic>
+      <p:pic>
+        <p:nvPicPr>
+          <p:cNvPr id="1034" name="Picture 10" descr="http://www.androidcentral.com/sites/androidcentral.com/files/styles/xlarge_wm_brw/public/article_images/2015/06/android-m-doze.jpg?itok=Xcc81T0C"/>
+          <p:cNvPicPr>
+            <a:picLocks noChangeAspect="1" noChangeArrowheads="1"/>
+          </p:cNvPicPr>
+          <p:nvPr/>
+        </p:nvPicPr>
+        <p:blipFill>
+          <a:blip r:embed="rId8">
+            <a:extLst>
+              <a:ext uri="{28A0092B-C50C-407E-A947-70E740481C1C}">
+                <a14:useLocalDpi xmlns:a14="http://schemas.microsoft.com/office/drawing/2010/main" val="0"/>
+              </a:ext>
+            </a:extLst>
+          </a:blip>
+          <a:srcRect/>
+          <a:stretch>
+            <a:fillRect/>
+          </a:stretch>
+        </p:blipFill>
+        <p:spPr bwMode="auto">
+          <a:xfrm rot="1148354">
+            <a:off x="3261034" y="2494340"/>
+            <a:ext cx="4377504" cy="3283128"/>
+          </a:xfrm>
+          <a:prstGeom prst="rect">
+            <a:avLst/>
+          </a:prstGeom>
+          <a:noFill/>
+          <a:extLst>
+            <a:ext uri="{909E8E84-426E-40DD-AFC4-6F175D3DCCD1}">
+              <a14:hiddenFill xmlns:a14="http://schemas.microsoft.com/office/drawing/2010/main">
+                <a:solidFill>
+                  <a:srgbClr val="FFFFFF"/>
+                </a:solidFill>
+              </a14:hiddenFill>
+            </a:ext>
+          </a:extLst>
+        </p:spPr>
+      </p:pic>
     </p:spTree>
     <p:extLst>
       <p:ext uri="{BB962C8B-B14F-4D97-AF65-F5344CB8AC3E}">
@@ -8506,6 +8517,231 @@
                       </p:childTnLst>
                     </p:cTn>
                   </p:par>
+                  <p:par>
+                    <p:cTn id="8" fill="hold">
+                      <p:stCondLst>
+                        <p:cond delay="indefinite"/>
+                      </p:stCondLst>
+                      <p:childTnLst>
+                        <p:par>
+                          <p:cTn id="9" fill="hold">
+                            <p:stCondLst>
+                              <p:cond delay="0"/>
+                            </p:stCondLst>
+                            <p:childTnLst>
+                              <p:par>
+                                <p:cTn id="10" presetID="1" presetClass="entr" presetSubtype="0" fill="hold" nodeType="clickEffect">
+                                  <p:stCondLst>
+                                    <p:cond delay="0"/>
+                                  </p:stCondLst>
+                                  <p:childTnLst>
+                                    <p:set>
+                                      <p:cBhvr>
+                                        <p:cTn id="11" dur="1" fill="hold">
+                                          <p:stCondLst>
+                                            <p:cond delay="0"/>
+                                          </p:stCondLst>
+                                        </p:cTn>
+                                        <p:tgtEl>
+                                          <p:spTgt spid="1026"/>
+                                        </p:tgtEl>
+                                        <p:attrNameLst>
+                                          <p:attrName>style.visibility</p:attrName>
+                                        </p:attrNameLst>
+                                      </p:cBhvr>
+                                      <p:to>
+                                        <p:strVal val="visible"/>
+                                      </p:to>
+                                    </p:set>
+                                  </p:childTnLst>
+                                </p:cTn>
+                              </p:par>
+                            </p:childTnLst>
+                          </p:cTn>
+                        </p:par>
+                      </p:childTnLst>
+                    </p:cTn>
+                  </p:par>
+                  <p:par>
+                    <p:cTn id="12" fill="hold">
+                      <p:stCondLst>
+                        <p:cond delay="indefinite"/>
+                      </p:stCondLst>
+                      <p:childTnLst>
+                        <p:par>
+                          <p:cTn id="13" fill="hold">
+                            <p:stCondLst>
+                              <p:cond delay="0"/>
+                            </p:stCondLst>
+                            <p:childTnLst>
+                              <p:par>
+                                <p:cTn id="14" presetID="1" presetClass="entr" presetSubtype="0" fill="hold" nodeType="clickEffect">
+                                  <p:stCondLst>
+                                    <p:cond delay="0"/>
+                                  </p:stCondLst>
+                                  <p:childTnLst>
+                                    <p:set>
+                                      <p:cBhvr>
+                                        <p:cTn id="15" dur="1" fill="hold">
+                                          <p:stCondLst>
+                                            <p:cond delay="0"/>
+                                          </p:stCondLst>
+                                        </p:cTn>
+                                        <p:tgtEl>
+                                          <p:spTgt spid="1028"/>
+                                        </p:tgtEl>
+                                        <p:attrNameLst>
+                                          <p:attrName>style.visibility</p:attrName>
+                                        </p:attrNameLst>
+                                      </p:cBhvr>
+                                      <p:to>
+                                        <p:strVal val="visible"/>
+                                      </p:to>
+                                    </p:set>
+                                  </p:childTnLst>
+                                </p:cTn>
+                              </p:par>
+                            </p:childTnLst>
+                          </p:cTn>
+                        </p:par>
+                      </p:childTnLst>
+                    </p:cTn>
+                  </p:par>
+                  <p:par>
+                    <p:cTn id="16" fill="hold">
+                      <p:stCondLst>
+                        <p:cond delay="indefinite"/>
+                      </p:stCondLst>
+                      <p:childTnLst>
+                        <p:par>
+                          <p:cTn id="17" fill="hold">
+                            <p:stCondLst>
+                              <p:cond delay="0"/>
+                            </p:stCondLst>
+                            <p:childTnLst>
+                              <p:par>
+                                <p:cTn id="18" presetID="1" presetClass="entr" presetSubtype="0" fill="hold" nodeType="clickEffect">
+                                  <p:stCondLst>
+                                    <p:cond delay="0"/>
+                                  </p:stCondLst>
+                                  <p:childTnLst>
+                                    <p:set>
+                                      <p:cBhvr>
+                                        <p:cTn id="19" dur="1" fill="hold">
+                                          <p:stCondLst>
+                                            <p:cond delay="0"/>
+                                          </p:stCondLst>
+                                        </p:cTn>
+                                        <p:tgtEl>
+                                          <p:spTgt spid="1030"/>
+                                        </p:tgtEl>
+                                        <p:attrNameLst>
+                                          <p:attrName>style.visibility</p:attrName>
+                                        </p:attrNameLst>
+                                      </p:cBhvr>
+                                      <p:to>
+                                        <p:strVal val="visible"/>
+                                      </p:to>
+                                    </p:set>
+                                  </p:childTnLst>
+                                </p:cTn>
+                              </p:par>
+                            </p:childTnLst>
+                          </p:cTn>
+                        </p:par>
+                      </p:childTnLst>
+                    </p:cTn>
+                  </p:par>
+                  <p:par>
+                    <p:cTn id="20" fill="hold">
+                      <p:stCondLst>
+                        <p:cond delay="indefinite"/>
+                      </p:stCondLst>
+                      <p:childTnLst>
+                        <p:par>
+                          <p:cTn id="21" fill="hold">
+                            <p:stCondLst>
+                              <p:cond delay="0"/>
+                            </p:stCondLst>
+                            <p:childTnLst>
+                              <p:par>
+                                <p:cTn id="22" presetID="1" presetClass="entr" presetSubtype="0" fill="hold" nodeType="clickEffect">
+                                  <p:stCondLst>
+                                    <p:cond delay="0"/>
+                                  </p:stCondLst>
+                                  <p:childTnLst>
+                                    <p:set>
+                                      <p:cBhvr>
+                                        <p:cTn id="23" dur="1" fill="hold">
+                                          <p:stCondLst>
+                                            <p:cond delay="0"/>
+                                          </p:stCondLst>
+                                        </p:cTn>
+                                        <p:tgtEl>
+                                          <p:spTgt spid="1032"/>
+                                        </p:tgtEl>
+                                        <p:attrNameLst>
+                                          <p:attrName>style.visibility</p:attrName>
+                                        </p:attrNameLst>
+                                      </p:cBhvr>
+                                      <p:to>
+                                        <p:strVal val="visible"/>
+                                      </p:to>
+                                    </p:set>
+                                  </p:childTnLst>
+                                </p:cTn>
+                              </p:par>
+                            </p:childTnLst>
+                          </p:cTn>
+                        </p:par>
+                      </p:childTnLst>
+                    </p:cTn>
+                  </p:par>
+                  <p:par>
+                    <p:cTn id="24" fill="hold">
+                      <p:stCondLst>
+                        <p:cond delay="indefinite"/>
+                      </p:stCondLst>
+                      <p:childTnLst>
+                        <p:par>
+                          <p:cTn id="25" fill="hold">
+                            <p:stCondLst>
+                              <p:cond delay="0"/>
+                            </p:stCondLst>
+                            <p:childTnLst>
+                              <p:par>
+                                <p:cTn id="26" presetID="1" presetClass="entr" presetSubtype="0" fill="hold" nodeType="clickEffect">
+                                  <p:stCondLst>
+                                    <p:cond delay="0"/>
+                                  </p:stCondLst>
+                                  <p:childTnLst>
+                                    <p:set>
+                                      <p:cBhvr>
+                                        <p:cTn id="27" dur="1" fill="hold">
+                                          <p:stCondLst>
+                                            <p:cond delay="0"/>
+                                          </p:stCondLst>
+                                        </p:cTn>
+                                        <p:tgtEl>
+                                          <p:spTgt spid="1034"/>
+                                        </p:tgtEl>
+                                        <p:attrNameLst>
+                                          <p:attrName>style.visibility</p:attrName>
+                                        </p:attrNameLst>
+                                      </p:cBhvr>
+                                      <p:to>
+                                        <p:strVal val="visible"/>
+                                      </p:to>
+                                    </p:set>
+                                  </p:childTnLst>
+                                </p:cTn>
+                              </p:par>
+                            </p:childTnLst>
+                          </p:cTn>
+                        </p:par>
+                      </p:childTnLst>
+                    </p:cTn>
+                  </p:par>
                 </p:childTnLst>
               </p:cTn>
               <p:prevCondLst>
@@ -8606,6 +8842,218 @@
                   <a:srgbClr val="FFFFFF"/>
                 </a:solidFill>
               </a14:hiddenFill>
+            </a:ext>
+          </a:extLst>
+        </p:spPr>
+      </p:pic>
+      <p:pic>
+        <p:nvPicPr>
+          <p:cNvPr id="2050" name="Picture 2" descr="http://media.idownloadblog.com/wp-content/uploads/2014/09/Apple-Pay-benefits-2.png"/>
+          <p:cNvPicPr>
+            <a:picLocks noChangeAspect="1" noChangeArrowheads="1"/>
+          </p:cNvPicPr>
+          <p:nvPr/>
+        </p:nvPicPr>
+        <p:blipFill rotWithShape="1">
+          <a:blip r:embed="rId4">
+            <a:extLst>
+              <a:ext uri="{28A0092B-C50C-407E-A947-70E740481C1C}">
+                <a14:useLocalDpi xmlns:a14="http://schemas.microsoft.com/office/drawing/2010/main" val="0"/>
+              </a:ext>
+            </a:extLst>
+          </a:blip>
+          <a:srcRect t="26638" r="43234" b="24761"/>
+          <a:stretch/>
+        </p:blipFill>
+        <p:spPr bwMode="auto">
+          <a:xfrm rot="19853070">
+            <a:off x="1627670" y="2884680"/>
+            <a:ext cx="3887583" cy="1930400"/>
+          </a:xfrm>
+          <a:prstGeom prst="rect">
+            <a:avLst/>
+          </a:prstGeom>
+          <a:noFill/>
+          <a:extLst>
+            <a:ext uri="{909E8E84-426E-40DD-AFC4-6F175D3DCCD1}">
+              <a14:hiddenFill xmlns:a14="http://schemas.microsoft.com/office/drawing/2010/main">
+                <a:solidFill>
+                  <a:srgbClr val="FFFFFF"/>
+                </a:solidFill>
+              </a14:hiddenFill>
+            </a:ext>
+          </a:extLst>
+        </p:spPr>
+      </p:pic>
+      <p:pic>
+        <p:nvPicPr>
+          <p:cNvPr id="2052" name="Picture 4" descr="http://cdn1.macworld.co.uk/cmsdata/features/3523783/icloud-drive-800_thumb800.jpg"/>
+          <p:cNvPicPr>
+            <a:picLocks noChangeAspect="1" noChangeArrowheads="1"/>
+          </p:cNvPicPr>
+          <p:nvPr/>
+        </p:nvPicPr>
+        <p:blipFill rotWithShape="1">
+          <a:blip r:embed="rId5">
+            <a:extLst>
+              <a:ext uri="{28A0092B-C50C-407E-A947-70E740481C1C}">
+                <a14:useLocalDpi xmlns:a14="http://schemas.microsoft.com/office/drawing/2010/main" val="0"/>
+              </a:ext>
+            </a:extLst>
+          </a:blip>
+          <a:srcRect l="30530" t="16170" r="30422" b="15767"/>
+          <a:stretch/>
+        </p:blipFill>
+        <p:spPr bwMode="auto">
+          <a:xfrm rot="1137068">
+            <a:off x="3275856" y="2618386"/>
+            <a:ext cx="2975428" cy="2917372"/>
+          </a:xfrm>
+          <a:prstGeom prst="rect">
+            <a:avLst/>
+          </a:prstGeom>
+          <a:noFill/>
+          <a:extLst>
+            <a:ext uri="{909E8E84-426E-40DD-AFC4-6F175D3DCCD1}">
+              <a14:hiddenFill xmlns:a14="http://schemas.microsoft.com/office/drawing/2010/main">
+                <a:solidFill>
+                  <a:srgbClr val="FFFFFF"/>
+                </a:solidFill>
+              </a14:hiddenFill>
+            </a:ext>
+          </a:extLst>
+        </p:spPr>
+      </p:pic>
+      <p:pic>
+        <p:nvPicPr>
+          <p:cNvPr id="2054" name="Picture 6" descr="http://www8.pcmag.com/media/images/365941-siri-icon.jpg?thumb=y"/>
+          <p:cNvPicPr>
+            <a:picLocks noChangeAspect="1" noChangeArrowheads="1"/>
+          </p:cNvPicPr>
+          <p:nvPr/>
+        </p:nvPicPr>
+        <p:blipFill>
+          <a:blip r:embed="rId6">
+            <a:extLst>
+              <a:ext uri="{28A0092B-C50C-407E-A947-70E740481C1C}">
+                <a14:useLocalDpi xmlns:a14="http://schemas.microsoft.com/office/drawing/2010/main" val="0"/>
+              </a:ext>
+            </a:extLst>
+          </a:blip>
+          <a:srcRect/>
+          <a:stretch>
+            <a:fillRect/>
+          </a:stretch>
+        </p:blipFill>
+        <p:spPr bwMode="auto">
+          <a:xfrm rot="20001878">
+            <a:off x="5020160" y="2890418"/>
+            <a:ext cx="2619375" cy="2619375"/>
+          </a:xfrm>
+          <a:prstGeom prst="rect">
+            <a:avLst/>
+          </a:prstGeom>
+          <a:noFill/>
+          <a:extLst>
+            <a:ext uri="{909E8E84-426E-40DD-AFC4-6F175D3DCCD1}">
+              <a14:hiddenFill xmlns:a14="http://schemas.microsoft.com/office/drawing/2010/main">
+                <a:solidFill>
+                  <a:srgbClr val="FFFFFF"/>
+                </a:solidFill>
+              </a14:hiddenFill>
+            </a:ext>
+          </a:extLst>
+        </p:spPr>
+      </p:pic>
+      <p:pic>
+        <p:nvPicPr>
+          <p:cNvPr id="2056" name="Picture 8" descr="http://cnet3.cbsistatic.com/hub/i/2015/06/08/1cf81898-4c4d-4572-b78a-84eec88afce9/a76de98837c0000b84853c635d9f3e36/movetoios.jpg"/>
+          <p:cNvPicPr>
+            <a:picLocks noChangeAspect="1" noChangeArrowheads="1"/>
+          </p:cNvPicPr>
+          <p:nvPr/>
+        </p:nvPicPr>
+        <p:blipFill rotWithShape="1">
+          <a:blip r:embed="rId7">
+            <a:extLst>
+              <a:ext uri="{28A0092B-C50C-407E-A947-70E740481C1C}">
+                <a14:useLocalDpi xmlns:a14="http://schemas.microsoft.com/office/drawing/2010/main" val="0"/>
+              </a:ext>
+            </a:extLst>
+          </a:blip>
+          <a:srcRect l="9535" r="8990"/>
+          <a:stretch/>
+        </p:blipFill>
+        <p:spPr bwMode="auto">
+          <a:xfrm rot="19925994">
+            <a:off x="2746867" y="2379810"/>
+            <a:ext cx="3671927" cy="3383049"/>
+          </a:xfrm>
+          <a:prstGeom prst="rect">
+            <a:avLst/>
+          </a:prstGeom>
+          <a:noFill/>
+          <a:extLst>
+            <a:ext uri="{909E8E84-426E-40DD-AFC4-6F175D3DCCD1}">
+              <a14:hiddenFill xmlns:a14="http://schemas.microsoft.com/office/drawing/2010/main">
+                <a:solidFill>
+                  <a:srgbClr val="FFFFFF"/>
+                </a:solidFill>
+              </a14:hiddenFill>
+            </a:ext>
+          </a:extLst>
+        </p:spPr>
+      </p:pic>
+      <p:pic>
+        <p:nvPicPr>
+          <p:cNvPr id="2057" name="Picture 9"/>
+          <p:cNvPicPr>
+            <a:picLocks noChangeAspect="1" noChangeArrowheads="1"/>
+          </p:cNvPicPr>
+          <p:nvPr/>
+        </p:nvPicPr>
+        <p:blipFill>
+          <a:blip r:embed="rId8">
+            <a:extLst>
+              <a:ext uri="{28A0092B-C50C-407E-A947-70E740481C1C}">
+                <a14:useLocalDpi xmlns:a14="http://schemas.microsoft.com/office/drawing/2010/main" val="0"/>
+              </a:ext>
+            </a:extLst>
+          </a:blip>
+          <a:srcRect/>
+          <a:stretch>
+            <a:fillRect/>
+          </a:stretch>
+        </p:blipFill>
+        <p:spPr bwMode="auto">
+          <a:xfrm rot="844829">
+            <a:off x="3396011" y="2711986"/>
+            <a:ext cx="2373639" cy="2322866"/>
+          </a:xfrm>
+          <a:prstGeom prst="rect">
+            <a:avLst/>
+          </a:prstGeom>
+          <a:noFill/>
+          <a:ln>
+            <a:noFill/>
+          </a:ln>
+          <a:extLst>
+            <a:ext uri="{909E8E84-426E-40DD-AFC4-6F175D3DCCD1}">
+              <a14:hiddenFill xmlns:a14="http://schemas.microsoft.com/office/drawing/2010/main">
+                <a:solidFill>
+                  <a:schemeClr val="accent1"/>
+                </a:solidFill>
+              </a14:hiddenFill>
+            </a:ext>
+            <a:ext uri="{91240B29-F687-4F45-9708-019B960494DF}">
+              <a14:hiddenLine xmlns:a14="http://schemas.microsoft.com/office/drawing/2010/main" w="9525">
+                <a:solidFill>
+                  <a:schemeClr val="tx1"/>
+                </a:solidFill>
+                <a:miter lim="800000"/>
+                <a:headEnd/>
+                <a:tailEnd/>
+              </a14:hiddenLine>
             </a:ext>
           </a:extLst>
         </p:spPr>
@@ -8672,6 +9120,231 @@
                                         </p:tgtEl>
                                       </p:cBhvr>
                                     </p:animEffect>
+                                  </p:childTnLst>
+                                </p:cTn>
+                              </p:par>
+                            </p:childTnLst>
+                          </p:cTn>
+                        </p:par>
+                      </p:childTnLst>
+                    </p:cTn>
+                  </p:par>
+                  <p:par>
+                    <p:cTn id="8" fill="hold">
+                      <p:stCondLst>
+                        <p:cond delay="indefinite"/>
+                      </p:stCondLst>
+                      <p:childTnLst>
+                        <p:par>
+                          <p:cTn id="9" fill="hold">
+                            <p:stCondLst>
+                              <p:cond delay="0"/>
+                            </p:stCondLst>
+                            <p:childTnLst>
+                              <p:par>
+                                <p:cTn id="10" presetID="1" presetClass="entr" presetSubtype="0" fill="hold" nodeType="clickEffect">
+                                  <p:stCondLst>
+                                    <p:cond delay="0"/>
+                                  </p:stCondLst>
+                                  <p:childTnLst>
+                                    <p:set>
+                                      <p:cBhvr>
+                                        <p:cTn id="11" dur="1" fill="hold">
+                                          <p:stCondLst>
+                                            <p:cond delay="0"/>
+                                          </p:stCondLst>
+                                        </p:cTn>
+                                        <p:tgtEl>
+                                          <p:spTgt spid="2050"/>
+                                        </p:tgtEl>
+                                        <p:attrNameLst>
+                                          <p:attrName>style.visibility</p:attrName>
+                                        </p:attrNameLst>
+                                      </p:cBhvr>
+                                      <p:to>
+                                        <p:strVal val="visible"/>
+                                      </p:to>
+                                    </p:set>
+                                  </p:childTnLst>
+                                </p:cTn>
+                              </p:par>
+                            </p:childTnLst>
+                          </p:cTn>
+                        </p:par>
+                      </p:childTnLst>
+                    </p:cTn>
+                  </p:par>
+                  <p:par>
+                    <p:cTn id="12" fill="hold">
+                      <p:stCondLst>
+                        <p:cond delay="indefinite"/>
+                      </p:stCondLst>
+                      <p:childTnLst>
+                        <p:par>
+                          <p:cTn id="13" fill="hold">
+                            <p:stCondLst>
+                              <p:cond delay="0"/>
+                            </p:stCondLst>
+                            <p:childTnLst>
+                              <p:par>
+                                <p:cTn id="14" presetID="1" presetClass="entr" presetSubtype="0" fill="hold" nodeType="clickEffect">
+                                  <p:stCondLst>
+                                    <p:cond delay="0"/>
+                                  </p:stCondLst>
+                                  <p:childTnLst>
+                                    <p:set>
+                                      <p:cBhvr>
+                                        <p:cTn id="15" dur="1" fill="hold">
+                                          <p:stCondLst>
+                                            <p:cond delay="0"/>
+                                          </p:stCondLst>
+                                        </p:cTn>
+                                        <p:tgtEl>
+                                          <p:spTgt spid="2052"/>
+                                        </p:tgtEl>
+                                        <p:attrNameLst>
+                                          <p:attrName>style.visibility</p:attrName>
+                                        </p:attrNameLst>
+                                      </p:cBhvr>
+                                      <p:to>
+                                        <p:strVal val="visible"/>
+                                      </p:to>
+                                    </p:set>
+                                  </p:childTnLst>
+                                </p:cTn>
+                              </p:par>
+                            </p:childTnLst>
+                          </p:cTn>
+                        </p:par>
+                      </p:childTnLst>
+                    </p:cTn>
+                  </p:par>
+                  <p:par>
+                    <p:cTn id="16" fill="hold">
+                      <p:stCondLst>
+                        <p:cond delay="indefinite"/>
+                      </p:stCondLst>
+                      <p:childTnLst>
+                        <p:par>
+                          <p:cTn id="17" fill="hold">
+                            <p:stCondLst>
+                              <p:cond delay="0"/>
+                            </p:stCondLst>
+                            <p:childTnLst>
+                              <p:par>
+                                <p:cTn id="18" presetID="1" presetClass="entr" presetSubtype="0" fill="hold" nodeType="clickEffect">
+                                  <p:stCondLst>
+                                    <p:cond delay="0"/>
+                                  </p:stCondLst>
+                                  <p:childTnLst>
+                                    <p:set>
+                                      <p:cBhvr>
+                                        <p:cTn id="19" dur="1" fill="hold">
+                                          <p:stCondLst>
+                                            <p:cond delay="0"/>
+                                          </p:stCondLst>
+                                        </p:cTn>
+                                        <p:tgtEl>
+                                          <p:spTgt spid="2054"/>
+                                        </p:tgtEl>
+                                        <p:attrNameLst>
+                                          <p:attrName>style.visibility</p:attrName>
+                                        </p:attrNameLst>
+                                      </p:cBhvr>
+                                      <p:to>
+                                        <p:strVal val="visible"/>
+                                      </p:to>
+                                    </p:set>
+                                  </p:childTnLst>
+                                </p:cTn>
+                              </p:par>
+                            </p:childTnLst>
+                          </p:cTn>
+                        </p:par>
+                      </p:childTnLst>
+                    </p:cTn>
+                  </p:par>
+                  <p:par>
+                    <p:cTn id="20" fill="hold">
+                      <p:stCondLst>
+                        <p:cond delay="indefinite"/>
+                      </p:stCondLst>
+                      <p:childTnLst>
+                        <p:par>
+                          <p:cTn id="21" fill="hold">
+                            <p:stCondLst>
+                              <p:cond delay="0"/>
+                            </p:stCondLst>
+                            <p:childTnLst>
+                              <p:par>
+                                <p:cTn id="22" presetID="1" presetClass="entr" presetSubtype="0" fill="hold" nodeType="clickEffect">
+                                  <p:stCondLst>
+                                    <p:cond delay="0"/>
+                                  </p:stCondLst>
+                                  <p:childTnLst>
+                                    <p:set>
+                                      <p:cBhvr>
+                                        <p:cTn id="23" dur="1" fill="hold">
+                                          <p:stCondLst>
+                                            <p:cond delay="0"/>
+                                          </p:stCondLst>
+                                        </p:cTn>
+                                        <p:tgtEl>
+                                          <p:spTgt spid="2056"/>
+                                        </p:tgtEl>
+                                        <p:attrNameLst>
+                                          <p:attrName>style.visibility</p:attrName>
+                                        </p:attrNameLst>
+                                      </p:cBhvr>
+                                      <p:to>
+                                        <p:strVal val="visible"/>
+                                      </p:to>
+                                    </p:set>
+                                  </p:childTnLst>
+                                </p:cTn>
+                              </p:par>
+                            </p:childTnLst>
+                          </p:cTn>
+                        </p:par>
+                      </p:childTnLst>
+                    </p:cTn>
+                  </p:par>
+                  <p:par>
+                    <p:cTn id="24" fill="hold">
+                      <p:stCondLst>
+                        <p:cond delay="indefinite"/>
+                      </p:stCondLst>
+                      <p:childTnLst>
+                        <p:par>
+                          <p:cTn id="25" fill="hold">
+                            <p:stCondLst>
+                              <p:cond delay="0"/>
+                            </p:stCondLst>
+                            <p:childTnLst>
+                              <p:par>
+                                <p:cTn id="26" presetID="1" presetClass="entr" presetSubtype="0" fill="hold" nodeType="clickEffect">
+                                  <p:stCondLst>
+                                    <p:cond delay="0"/>
+                                  </p:stCondLst>
+                                  <p:childTnLst>
+                                    <p:set>
+                                      <p:cBhvr>
+                                        <p:cTn id="27" dur="1" fill="hold">
+                                          <p:stCondLst>
+                                            <p:cond delay="0"/>
+                                          </p:stCondLst>
+                                        </p:cTn>
+                                        <p:tgtEl>
+                                          <p:spTgt spid="2057"/>
+                                        </p:tgtEl>
+                                        <p:attrNameLst>
+                                          <p:attrName>style.visibility</p:attrName>
+                                        </p:attrNameLst>
+                                      </p:cBhvr>
+                                      <p:to>
+                                        <p:strVal val="visible"/>
+                                      </p:to>
+                                    </p:set>
                                   </p:childTnLst>
                                 </p:cTn>
                               </p:par>
@@ -9986,7 +10659,7 @@
       </p:sp>
       <p:pic>
         <p:nvPicPr>
-          <p:cNvPr id="14343" name="Picture 7"/>
+          <p:cNvPr id="3074" name="Picture 2" descr="The user wears a cap fitted with EEG electrodes to monitor brain activity"/>
           <p:cNvPicPr>
             <a:picLocks noChangeAspect="1" noChangeArrowheads="1"/>
           </p:cNvPicPr>
@@ -10007,33 +10680,20 @@
         </p:blipFill>
         <p:spPr bwMode="auto">
           <a:xfrm>
-            <a:off x="2339752" y="2924944"/>
-            <a:ext cx="5114925" cy="3333750"/>
+            <a:off x="2170076" y="2857114"/>
+            <a:ext cx="4824536" cy="3618402"/>
           </a:xfrm>
           <a:prstGeom prst="rect">
             <a:avLst/>
           </a:prstGeom>
           <a:noFill/>
-          <a:ln>
-            <a:noFill/>
-          </a:ln>
           <a:extLst>
             <a:ext uri="{909E8E84-426E-40DD-AFC4-6F175D3DCCD1}">
               <a14:hiddenFill xmlns:a14="http://schemas.microsoft.com/office/drawing/2010/main">
                 <a:solidFill>
-                  <a:schemeClr val="accent1"/>
+                  <a:srgbClr val="FFFFFF"/>
                 </a:solidFill>
               </a14:hiddenFill>
-            </a:ext>
-            <a:ext uri="{91240B29-F687-4F45-9708-019B960494DF}">
-              <a14:hiddenLine xmlns:a14="http://schemas.microsoft.com/office/drawing/2010/main" w="9525">
-                <a:solidFill>
-                  <a:schemeClr val="tx1"/>
-                </a:solidFill>
-                <a:miter lim="800000"/>
-                <a:headEnd/>
-                <a:tailEnd/>
-              </a14:hiddenLine>
             </a:ext>
           </a:extLst>
         </p:spPr>
@@ -10082,7 +10742,7 @@
                                           </p:stCondLst>
                                         </p:cTn>
                                         <p:tgtEl>
-                                          <p:spTgt spid="14343"/>
+                                          <p:spTgt spid="3074"/>
                                         </p:tgtEl>
                                         <p:attrNameLst>
                                           <p:attrName>style.visibility</p:attrName>
@@ -10143,59 +10803,117 @@
           <a:chExt cx="0" cy="0"/>
         </a:xfrm>
       </p:grpSpPr>
-      <p:sp>
-        <p:nvSpPr>
-          <p:cNvPr id="2" name="Title 1"/>
-          <p:cNvSpPr>
-            <a:spLocks noGrp="1"/>
-          </p:cNvSpPr>
-          <p:nvPr>
-            <p:ph type="title"/>
-          </p:nvPr>
-        </p:nvSpPr>
-        <p:spPr/>
-        <p:txBody>
-          <a:bodyPr/>
-          <a:lstStyle/>
-          <a:p>
+      <p:pic>
+        <p:nvPicPr>
+          <p:cNvPr id="4100" name="Picture 4" descr="http://i858.photobucket.com/albums/ab144/DabzoRenders/Entertainment/Logos/ManOn3DQuestionMark001.png"/>
+          <p:cNvPicPr>
+            <a:picLocks noChangeAspect="1" noChangeArrowheads="1"/>
+          </p:cNvPicPr>
+          <p:nvPr/>
+        </p:nvPicPr>
+        <p:blipFill>
+          <a:blip r:embed="rId2">
+            <a:extLst>
+              <a:ext uri="{28A0092B-C50C-407E-A947-70E740481C1C}">
+                <a14:useLocalDpi xmlns:a14="http://schemas.microsoft.com/office/drawing/2010/main" val="0"/>
+              </a:ext>
+            </a:extLst>
+          </a:blip>
+          <a:srcRect/>
+          <a:stretch>
+            <a:fillRect/>
+          </a:stretch>
+        </p:blipFill>
+        <p:spPr bwMode="auto">
+          <a:xfrm>
+            <a:off x="3203848" y="836712"/>
+            <a:ext cx="2952750" cy="3686176"/>
+          </a:xfrm>
+          <a:prstGeom prst="rect">
+            <a:avLst/>
+          </a:prstGeom>
+          <a:noFill/>
+          <a:extLst>
+            <a:ext uri="{909E8E84-426E-40DD-AFC4-6F175D3DCCD1}">
+              <a14:hiddenFill xmlns:a14="http://schemas.microsoft.com/office/drawing/2010/main">
+                <a:solidFill>
+                  <a:srgbClr val="FFFFFF"/>
+                </a:solidFill>
+              </a14:hiddenFill>
+            </a:ext>
+          </a:extLst>
+        </p:spPr>
+      </p:pic>
+      <p:sp>
+        <p:nvSpPr>
+          <p:cNvPr id="8" name="Title 1"/>
+          <p:cNvSpPr txBox="1">
+            <a:spLocks/>
+          </p:cNvSpPr>
+          <p:nvPr/>
+        </p:nvSpPr>
+        <p:spPr>
+          <a:xfrm>
+            <a:off x="2267744" y="4653136"/>
+            <a:ext cx="5050904" cy="868736"/>
+          </a:xfrm>
+          <a:prstGeom prst="rect">
+            <a:avLst/>
+          </a:prstGeom>
+          <a:ln>
+            <a:noFill/>
+          </a:ln>
+        </p:spPr>
+        <p:txBody>
+          <a:bodyPr vert="horz" lIns="0" tIns="0" rIns="18288" bIns="0" anchor="b">
+            <a:normAutofit/>
+            <a:scene3d>
+              <a:camera prst="orthographicFront"/>
+              <a:lightRig rig="freezing" dir="t">
+                <a:rot lat="0" lon="0" rev="5640000"/>
+              </a:lightRig>
+            </a:scene3d>
+            <a:sp3d prstMaterial="flat">
+              <a:bevelT w="38100" h="38100"/>
+              <a:contourClr>
+                <a:schemeClr val="tx2"/>
+              </a:contourClr>
+            </a:sp3d>
+          </a:bodyPr>
+          <a:lstStyle>
+            <a:lvl1pPr algn="r" rtl="0" eaLnBrk="1" latinLnBrk="0" hangingPunct="1">
+              <a:spcBef>
+                <a:spcPct val="0"/>
+              </a:spcBef>
+              <a:buNone/>
+              <a:defRPr kumimoji="0" sz="5600" b="1" kern="1200">
+                <a:ln>
+                  <a:noFill/>
+                </a:ln>
+                <a:solidFill>
+                  <a:schemeClr val="accent3">
+                    <a:tint val="90000"/>
+                    <a:satMod val="120000"/>
+                  </a:schemeClr>
+                </a:solidFill>
+                <a:effectLst>
+                  <a:outerShdw blurRad="38100" dist="25400" dir="5400000" algn="tl" rotWithShape="0">
+                    <a:srgbClr val="000000">
+                      <a:alpha val="43000"/>
+                    </a:srgbClr>
+                  </a:outerShdw>
+                </a:effectLst>
+                <a:latin typeface="+mj-lt"/>
+                <a:ea typeface="+mj-ea"/>
+                <a:cs typeface="+mj-cs"/>
+              </a:defRPr>
+            </a:lvl1pPr>
+          </a:lstStyle>
+          <a:p>
+            <a:pPr algn="ctr" defTabSz="914400"/>
             <a:r>
               <a:rPr lang="en-GB" dirty="0" smtClean="0"/>
-              <a:t>Links</a:t>
-            </a:r>
-            <a:endParaRPr lang="en-GB" dirty="0"/>
-          </a:p>
-        </p:txBody>
-      </p:sp>
-      <p:sp>
-        <p:nvSpPr>
-          <p:cNvPr id="3" name="Content Placeholder 2"/>
-          <p:cNvSpPr>
-            <a:spLocks noGrp="1"/>
-          </p:cNvSpPr>
-          <p:nvPr>
-            <p:ph idx="1"/>
-          </p:nvPr>
-        </p:nvSpPr>
-        <p:spPr/>
-        <p:txBody>
-          <a:bodyPr/>
-          <a:lstStyle/>
-          <a:p>
-            <a:r>
-              <a:rPr lang="en-GB" dirty="0">
-                <a:hlinkClick r:id="rId3"/>
-              </a:rPr>
-              <a:t>http://</a:t>
-            </a:r>
-            <a:r>
-              <a:rPr lang="en-GB" dirty="0" smtClean="0">
-                <a:hlinkClick r:id="rId3"/>
-              </a:rPr>
-              <a:t>www.theverge.com/2011/12/7/2585779/android-history</a:t>
-            </a:r>
-            <a:r>
-              <a:rPr lang="en-GB" dirty="0" smtClean="0"/>
-              <a:t> </a:t>
+              <a:t>Any Questions?</a:t>
             </a:r>
             <a:endParaRPr lang="en-GB" dirty="0"/>
           </a:p>
@@ -10204,7 +10922,7 @@
     </p:spTree>
     <p:extLst>
       <p:ext uri="{BB962C8B-B14F-4D97-AF65-F5344CB8AC3E}">
-        <p14:creationId xmlns:p14="http://schemas.microsoft.com/office/powerpoint/2010/main" val="2168392314"/>
+        <p14:creationId xmlns:p14="http://schemas.microsoft.com/office/powerpoint/2010/main" val="411899028"/>
       </p:ext>
     </p:extLst>
   </p:cSld>
